--- a/.lessons/16 Fundamental. Database - Query Builder/4 Using Of Where Condition/1.pptx
+++ b/.lessons/16 Fundamental. Database - Query Builder/4 Using Of Where Condition/1.pptx
@@ -263,7 +263,7 @@
           <a:p>
             <a:fld id="{3E102D2E-813C-461C-9963-687A650C48C0}" type="datetimeFigureOut">
               <a:rPr lang="en-US" smtClean="0"/>
-              <a:t>4/22/2025</a:t>
+              <a:t>4/23/2025</a:t>
             </a:fld>
             <a:endParaRPr lang="en-US"/>
           </a:p>
@@ -461,7 +461,7 @@
           <a:p>
             <a:fld id="{3E102D2E-813C-461C-9963-687A650C48C0}" type="datetimeFigureOut">
               <a:rPr lang="en-US" smtClean="0"/>
-              <a:t>4/22/2025</a:t>
+              <a:t>4/23/2025</a:t>
             </a:fld>
             <a:endParaRPr lang="en-US"/>
           </a:p>
@@ -669,7 +669,7 @@
           <a:p>
             <a:fld id="{3E102D2E-813C-461C-9963-687A650C48C0}" type="datetimeFigureOut">
               <a:rPr lang="en-US" smtClean="0"/>
-              <a:t>4/22/2025</a:t>
+              <a:t>4/23/2025</a:t>
             </a:fld>
             <a:endParaRPr lang="en-US"/>
           </a:p>
@@ -867,7 +867,7 @@
           <a:p>
             <a:fld id="{3E102D2E-813C-461C-9963-687A650C48C0}" type="datetimeFigureOut">
               <a:rPr lang="en-US" smtClean="0"/>
-              <a:t>4/22/2025</a:t>
+              <a:t>4/23/2025</a:t>
             </a:fld>
             <a:endParaRPr lang="en-US"/>
           </a:p>
@@ -1142,7 +1142,7 @@
           <a:p>
             <a:fld id="{3E102D2E-813C-461C-9963-687A650C48C0}" type="datetimeFigureOut">
               <a:rPr lang="en-US" smtClean="0"/>
-              <a:t>4/22/2025</a:t>
+              <a:t>4/23/2025</a:t>
             </a:fld>
             <a:endParaRPr lang="en-US"/>
           </a:p>
@@ -1407,7 +1407,7 @@
           <a:p>
             <a:fld id="{3E102D2E-813C-461C-9963-687A650C48C0}" type="datetimeFigureOut">
               <a:rPr lang="en-US" smtClean="0"/>
-              <a:t>4/22/2025</a:t>
+              <a:t>4/23/2025</a:t>
             </a:fld>
             <a:endParaRPr lang="en-US"/>
           </a:p>
@@ -1819,7 +1819,7 @@
           <a:p>
             <a:fld id="{3E102D2E-813C-461C-9963-687A650C48C0}" type="datetimeFigureOut">
               <a:rPr lang="en-US" smtClean="0"/>
-              <a:t>4/22/2025</a:t>
+              <a:t>4/23/2025</a:t>
             </a:fld>
             <a:endParaRPr lang="en-US"/>
           </a:p>
@@ -1960,7 +1960,7 @@
           <a:p>
             <a:fld id="{3E102D2E-813C-461C-9963-687A650C48C0}" type="datetimeFigureOut">
               <a:rPr lang="en-US" smtClean="0"/>
-              <a:t>4/22/2025</a:t>
+              <a:t>4/23/2025</a:t>
             </a:fld>
             <a:endParaRPr lang="en-US"/>
           </a:p>
@@ -2073,7 +2073,7 @@
           <a:p>
             <a:fld id="{3E102D2E-813C-461C-9963-687A650C48C0}" type="datetimeFigureOut">
               <a:rPr lang="en-US" smtClean="0"/>
-              <a:t>4/22/2025</a:t>
+              <a:t>4/23/2025</a:t>
             </a:fld>
             <a:endParaRPr lang="en-US"/>
           </a:p>
@@ -2384,7 +2384,7 @@
           <a:p>
             <a:fld id="{3E102D2E-813C-461C-9963-687A650C48C0}" type="datetimeFigureOut">
               <a:rPr lang="en-US" smtClean="0"/>
-              <a:t>4/22/2025</a:t>
+              <a:t>4/23/2025</a:t>
             </a:fld>
             <a:endParaRPr lang="en-US"/>
           </a:p>
@@ -2672,7 +2672,7 @@
           <a:p>
             <a:fld id="{3E102D2E-813C-461C-9963-687A650C48C0}" type="datetimeFigureOut">
               <a:rPr lang="en-US" smtClean="0"/>
-              <a:t>4/22/2025</a:t>
+              <a:t>4/23/2025</a:t>
             </a:fld>
             <a:endParaRPr lang="en-US"/>
           </a:p>
@@ -2913,7 +2913,7 @@
           <a:p>
             <a:fld id="{3E102D2E-813C-461C-9963-687A650C48C0}" type="datetimeFigureOut">
               <a:rPr lang="en-US" smtClean="0"/>
-              <a:t>4/22/2025</a:t>
+              <a:t>4/23/2025</a:t>
             </a:fld>
             <a:endParaRPr lang="en-US"/>
           </a:p>
@@ -3351,7 +3351,7 @@
         <p:spPr>
           <a:xfrm>
             <a:off x="217714" y="255046"/>
-            <a:ext cx="11756571" cy="355354"/>
+            <a:ext cx="11756571" cy="955518"/>
           </a:xfrm>
           <a:prstGeom prst="rect">
             <a:avLst/>
@@ -3371,21 +3371,92 @@
               <a:buNone/>
             </a:pPr>
             <a:r>
-              <a:rPr kumimoji="0" lang="en-US" altLang="en-US" sz="1300" b="0" i="0" u="none" strike="noStrike" cap="none" normalizeH="0" baseline="0">
-                <a:ln>
-                  <a:noFill/>
-                </a:ln>
-                <a:solidFill>
-                  <a:schemeClr val="tx1"/>
-                </a:solidFill>
-                <a:effectLst/>
+              <a:rPr lang="en-US" altLang="en-US" sz="1300">
                 <a:latin typeface="Arial" panose="020B0604020202020204" pitchFamily="34" charset="0"/>
               </a:rPr>
-              <a:t>.</a:t>
-            </a:r>
-          </a:p>
-        </p:txBody>
-      </p:sp>
+              <a:t>where() metodunu  </a:t>
+            </a:r>
+            <a:r>
+              <a:rPr lang="az-Latn-AZ" altLang="en-US" sz="1300">
+                <a:latin typeface="Arial" panose="020B0604020202020204" pitchFamily="34" charset="0"/>
+              </a:rPr>
+              <a:t>təkrar təkrar yazaraq fərqli şərtlər yaratmaq mümkündür.</a:t>
+            </a:r>
+          </a:p>
+          <a:p>
+            <a:pPr>
+              <a:lnSpc>
+                <a:spcPct val="150000"/>
+              </a:lnSpc>
+              <a:buNone/>
+            </a:pPr>
+            <a:endParaRPr kumimoji="0" lang="az-Latn-AZ" altLang="en-US" sz="1300" b="0" i="0" u="none" strike="noStrike" cap="none" normalizeH="0" baseline="0">
+              <a:ln>
+                <a:noFill/>
+              </a:ln>
+              <a:solidFill>
+                <a:schemeClr val="tx1"/>
+              </a:solidFill>
+              <a:effectLst/>
+              <a:latin typeface="Arial" panose="020B0604020202020204" pitchFamily="34" charset="0"/>
+            </a:endParaRPr>
+          </a:p>
+          <a:p>
+            <a:pPr>
+              <a:lnSpc>
+                <a:spcPct val="150000"/>
+              </a:lnSpc>
+              <a:buNone/>
+            </a:pPr>
+            <a:r>
+              <a:rPr lang="az-Latn-AZ" altLang="en-US" sz="1300">
+                <a:latin typeface="Arial" panose="020B0604020202020204" pitchFamily="34" charset="0"/>
+              </a:rPr>
+              <a:t>NOT: Bərabərlik simvolunda onu yazmamaqda olar. Default olaraq = istifadə edilir.</a:t>
+            </a:r>
+            <a:endParaRPr kumimoji="0" lang="en-US" altLang="en-US" sz="1300" b="0" i="0" u="none" strike="noStrike" cap="none" normalizeH="0" baseline="0">
+              <a:ln>
+                <a:noFill/>
+              </a:ln>
+              <a:solidFill>
+                <a:schemeClr val="tx1"/>
+              </a:solidFill>
+              <a:effectLst/>
+              <a:latin typeface="Arial" panose="020B0604020202020204" pitchFamily="34" charset="0"/>
+            </a:endParaRPr>
+          </a:p>
+        </p:txBody>
+      </p:sp>
+      <p:pic>
+        <p:nvPicPr>
+          <p:cNvPr id="4" name="Picture 3">
+            <a:extLst>
+              <a:ext uri="{FF2B5EF4-FFF2-40B4-BE49-F238E27FC236}">
+                <a16:creationId xmlns:a16="http://schemas.microsoft.com/office/drawing/2014/main" id="{CA71AC20-1908-DC61-6192-302CE90814A2}"/>
+              </a:ext>
+            </a:extLst>
+          </p:cNvPr>
+          <p:cNvPicPr>
+            <a:picLocks noChangeAspect="1"/>
+          </p:cNvPicPr>
+          <p:nvPr/>
+        </p:nvPicPr>
+        <p:blipFill>
+          <a:blip r:embed="rId2"/>
+          <a:stretch>
+            <a:fillRect/>
+          </a:stretch>
+        </p:blipFill>
+        <p:spPr>
+          <a:xfrm>
+            <a:off x="3561146" y="2437783"/>
+            <a:ext cx="8630854" cy="4420217"/>
+          </a:xfrm>
+          <a:prstGeom prst="rect">
+            <a:avLst/>
+          </a:prstGeom>
+        </p:spPr>
+      </p:pic>
     </p:spTree>
     <p:extLst>
       <p:ext uri="{BB962C8B-B14F-4D97-AF65-F5344CB8AC3E}">
@@ -3472,6 +3543,36 @@
           </a:p>
         </p:txBody>
       </p:sp>
+      <p:pic>
+        <p:nvPicPr>
+          <p:cNvPr id="4" name="Picture 3">
+            <a:extLst>
+              <a:ext uri="{FF2B5EF4-FFF2-40B4-BE49-F238E27FC236}">
+                <a16:creationId xmlns:a16="http://schemas.microsoft.com/office/drawing/2014/main" id="{E893CC38-C5CB-726E-F4D2-B58DB0E3B647}"/>
+              </a:ext>
+            </a:extLst>
+          </p:cNvPr>
+          <p:cNvPicPr>
+            <a:picLocks noChangeAspect="1"/>
+          </p:cNvPicPr>
+          <p:nvPr/>
+        </p:nvPicPr>
+        <p:blipFill>
+          <a:blip r:embed="rId2"/>
+          <a:stretch>
+            <a:fillRect/>
+          </a:stretch>
+        </p:blipFill>
+        <p:spPr>
+          <a:xfrm>
+            <a:off x="0" y="1491349"/>
+            <a:ext cx="12192000" cy="5366651"/>
+          </a:xfrm>
+          <a:prstGeom prst="rect">
+            <a:avLst/>
+          </a:prstGeom>
+        </p:spPr>
+      </p:pic>
     </p:spTree>
     <p:extLst>
       <p:ext uri="{BB962C8B-B14F-4D97-AF65-F5344CB8AC3E}">
